--- a/Documentacao/Documentacao-curso-Angular.pptx
+++ b/Documentacao/Documentacao-curso-Angular.pptx
@@ -3354,7 +3354,45 @@
             </a:r>
             <a:r>
               <a:rPr lang="es-ES" dirty="0"/>
-              <a:t> Aula 01</a:t>
+              <a:t> =&gt; Aula 01</a:t>
+            </a:r>
+          </a:p>
+          <a:p>
+            <a:r>
+              <a:rPr lang="es-ES" dirty="0"/>
+              <a:t>Instalando o Angular =&gt; Aula 02</a:t>
+            </a:r>
+          </a:p>
+          <a:p>
+            <a:r>
+              <a:rPr lang="es-ES" dirty="0"/>
+              <a:t>Criando </a:t>
+            </a:r>
+            <a:r>
+              <a:rPr lang="es-ES" dirty="0" err="1"/>
+              <a:t>Projeto</a:t>
+            </a:r>
+            <a:r>
+              <a:rPr lang="es-ES" dirty="0"/>
+              <a:t> =&gt; Aula 03</a:t>
+            </a:r>
+          </a:p>
+          <a:p>
+            <a:r>
+              <a:rPr lang="es-ES" dirty="0" err="1"/>
+              <a:t>Estrutura</a:t>
+            </a:r>
+            <a:r>
+              <a:rPr lang="es-ES" dirty="0"/>
+              <a:t> do </a:t>
+            </a:r>
+            <a:r>
+              <a:rPr lang="es-ES" dirty="0" err="1"/>
+              <a:t>Projeto</a:t>
+            </a:r>
+            <a:r>
+              <a:rPr lang="es-ES" dirty="0"/>
+              <a:t> =&gt; Aula 04</a:t>
             </a:r>
           </a:p>
         </p:txBody>

--- a/Documentacao/Documentacao-curso-Angular.pptx
+++ b/Documentacao/Documentacao-curso-Angular.pptx
@@ -7,6 +7,8 @@
   <p:sldIdLst>
     <p:sldId id="256" r:id="rId3"/>
     <p:sldId id="257" r:id="rId4"/>
+    <p:sldId id="258" r:id="rId5"/>
+    <p:sldId id="259" r:id="rId6"/>
   </p:sldIdLst>
   <p:sldSz cx="9144000" cy="6858000" type="screen4x3"/>
   <p:notesSz cx="6858000" cy="9144000"/>
@@ -330,7 +332,7 @@
             <a:fld id="{ECE2885B-9CEE-4B06-9B5A-AB75F988921C}" type="datetimeFigureOut">
               <a:rPr lang="es-ES" smtClean="0"/>
               <a:pPr/>
-              <a:t>05/09/2019</a:t>
+              <a:t>06/09/2019</a:t>
             </a:fld>
             <a:endParaRPr lang="es-ES"/>
           </a:p>
@@ -497,7 +499,7 @@
             <a:fld id="{ECE2885B-9CEE-4B06-9B5A-AB75F988921C}" type="datetimeFigureOut">
               <a:rPr lang="es-ES" smtClean="0"/>
               <a:pPr/>
-              <a:t>05/09/2019</a:t>
+              <a:t>06/09/2019</a:t>
             </a:fld>
             <a:endParaRPr lang="es-ES"/>
           </a:p>
@@ -674,7 +676,7 @@
             <a:fld id="{ECE2885B-9CEE-4B06-9B5A-AB75F988921C}" type="datetimeFigureOut">
               <a:rPr lang="es-ES" smtClean="0"/>
               <a:pPr/>
-              <a:t>05/09/2019</a:t>
+              <a:t>06/09/2019</a:t>
             </a:fld>
             <a:endParaRPr lang="es-ES"/>
           </a:p>
@@ -841,7 +843,7 @@
             <a:fld id="{ECE2885B-9CEE-4B06-9B5A-AB75F988921C}" type="datetimeFigureOut">
               <a:rPr lang="es-ES" smtClean="0"/>
               <a:pPr/>
-              <a:t>05/09/2019</a:t>
+              <a:t>06/09/2019</a:t>
             </a:fld>
             <a:endParaRPr lang="es-ES"/>
           </a:p>
@@ -1084,7 +1086,7 @@
             <a:fld id="{ECE2885B-9CEE-4B06-9B5A-AB75F988921C}" type="datetimeFigureOut">
               <a:rPr lang="es-ES" smtClean="0"/>
               <a:pPr/>
-              <a:t>05/09/2019</a:t>
+              <a:t>06/09/2019</a:t>
             </a:fld>
             <a:endParaRPr lang="es-ES"/>
           </a:p>
@@ -1369,7 +1371,7 @@
             <a:fld id="{ECE2885B-9CEE-4B06-9B5A-AB75F988921C}" type="datetimeFigureOut">
               <a:rPr lang="es-ES" smtClean="0"/>
               <a:pPr/>
-              <a:t>05/09/2019</a:t>
+              <a:t>06/09/2019</a:t>
             </a:fld>
             <a:endParaRPr lang="es-ES"/>
           </a:p>
@@ -1788,7 +1790,7 @@
             <a:fld id="{ECE2885B-9CEE-4B06-9B5A-AB75F988921C}" type="datetimeFigureOut">
               <a:rPr lang="es-ES" smtClean="0"/>
               <a:pPr/>
-              <a:t>05/09/2019</a:t>
+              <a:t>06/09/2019</a:t>
             </a:fld>
             <a:endParaRPr lang="es-ES"/>
           </a:p>
@@ -1903,7 +1905,7 @@
             <a:fld id="{ECE2885B-9CEE-4B06-9B5A-AB75F988921C}" type="datetimeFigureOut">
               <a:rPr lang="es-ES" smtClean="0"/>
               <a:pPr/>
-              <a:t>05/09/2019</a:t>
+              <a:t>06/09/2019</a:t>
             </a:fld>
             <a:endParaRPr lang="es-ES"/>
           </a:p>
@@ -1995,7 +1997,7 @@
             <a:fld id="{ECE2885B-9CEE-4B06-9B5A-AB75F988921C}" type="datetimeFigureOut">
               <a:rPr lang="es-ES" smtClean="0"/>
               <a:pPr/>
-              <a:t>05/09/2019</a:t>
+              <a:t>06/09/2019</a:t>
             </a:fld>
             <a:endParaRPr lang="es-ES"/>
           </a:p>
@@ -2269,7 +2271,7 @@
             <a:fld id="{ECE2885B-9CEE-4B06-9B5A-AB75F988921C}" type="datetimeFigureOut">
               <a:rPr lang="es-ES" smtClean="0"/>
               <a:pPr/>
-              <a:t>05/09/2019</a:t>
+              <a:t>06/09/2019</a:t>
             </a:fld>
             <a:endParaRPr lang="es-ES"/>
           </a:p>
@@ -2523,7 +2525,7 @@
             <a:fld id="{ECE2885B-9CEE-4B06-9B5A-AB75F988921C}" type="datetimeFigureOut">
               <a:rPr lang="es-ES" smtClean="0"/>
               <a:pPr/>
-              <a:t>05/09/2019</a:t>
+              <a:t>06/09/2019</a:t>
             </a:fld>
             <a:endParaRPr lang="es-ES"/>
           </a:p>
@@ -2755,7 +2757,7 @@
             <a:fld id="{ECE2885B-9CEE-4B06-9B5A-AB75F988921C}" type="datetimeFigureOut">
               <a:rPr lang="es-ES" smtClean="0"/>
               <a:pPr/>
-              <a:t>05/09/2019</a:t>
+              <a:t>06/09/2019</a:t>
             </a:fld>
             <a:endParaRPr lang="es-ES"/>
           </a:p>
@@ -3187,7 +3189,7 @@
             </a:r>
             <a:r>
               <a:rPr lang="es-ES" dirty="0"/>
-              <a:t> curso Angular</a:t>
+              <a:t> curso Angular 6</a:t>
             </a:r>
           </a:p>
         </p:txBody>
@@ -3210,7 +3212,7 @@
         </p:spPr>
         <p:txBody>
           <a:bodyPr>
-            <a:normAutofit fontScale="85000" lnSpcReduction="20000"/>
+            <a:normAutofit fontScale="92500" lnSpcReduction="10000"/>
           </a:bodyPr>
           <a:lstStyle/>
           <a:p>
@@ -3241,12 +3243,12 @@
               <a:t>Link: </a:t>
             </a:r>
             <a:r>
-              <a:rPr lang="pt-BR" dirty="0">
+              <a:rPr lang="pt-BR" sz="3000" dirty="0">
                 <a:hlinkClick r:id="rId2"/>
               </a:rPr>
-              <a:t>https://www.youtube.com/watch?v=qnuqGd-v9M8&amp;list=PLxNM4ef1Bpxg23Zxphw-WL6azvkMJ8AIV</a:t>
-            </a:r>
-            <a:endParaRPr lang="es-ES" dirty="0"/>
+              <a:t>https://www.youtube.com/watch?v=70XDjVMrU1k&amp;list=PLxNM4ef1Bpxh9W5wHl-VhFaF9ZrI5Q2zO</a:t>
+            </a:r>
+            <a:endParaRPr lang="es-ES" sz="3000" dirty="0"/>
           </a:p>
         </p:txBody>
       </p:sp>
@@ -3292,19 +3294,51 @@
           </a:xfrm>
         </p:spPr>
         <p:txBody>
-          <a:bodyPr/>
+          <a:bodyPr>
+            <a:normAutofit/>
+          </a:bodyPr>
           <a:lstStyle/>
           <a:p>
             <a:pPr algn="r"/>
             <a:r>
-              <a:rPr lang="es-VE" dirty="0">
+              <a:rPr lang="es-VE" dirty="0" err="1">
                 <a:solidFill>
                   <a:schemeClr val="bg1"/>
                 </a:solidFill>
                 <a:latin typeface="Calisto MT" pitchFamily="18" charset="0"/>
                 <a:cs typeface="Arial" pitchFamily="34" charset="0"/>
               </a:rPr>
-              <a:t>Curso de Angular</a:t>
+              <a:t>Install</a:t>
+            </a:r>
+            <a:r>
+              <a:rPr lang="es-VE" dirty="0">
+                <a:solidFill>
+                  <a:schemeClr val="bg1"/>
+                </a:solidFill>
+                <a:latin typeface="Calisto MT" pitchFamily="18" charset="0"/>
+                <a:cs typeface="Arial" pitchFamily="34" charset="0"/>
+              </a:rPr>
+              <a:t> </a:t>
+            </a:r>
+            <a:r>
+              <a:rPr lang="es-VE" dirty="0" err="1">
+                <a:solidFill>
+                  <a:schemeClr val="bg1"/>
+                </a:solidFill>
+                <a:latin typeface="Calisto MT" pitchFamily="18" charset="0"/>
+                <a:cs typeface="Arial" pitchFamily="34" charset="0"/>
+              </a:rPr>
+              <a:t>packages</a:t>
+            </a:r>
+            <a:r>
+              <a:rPr lang="es-VE" dirty="0">
+                <a:solidFill>
+                  <a:schemeClr val="bg1"/>
+                </a:solidFill>
+                <a:latin typeface="Calisto MT" pitchFamily="18" charset="0"/>
+                <a:cs typeface="Arial" pitchFamily="34" charset="0"/>
+              </a:rPr>
+              <a:t> Aula 02</a:t>
             </a:r>
             <a:endParaRPr lang="es-ES" dirty="0">
               <a:solidFill>
@@ -3336,13 +3370,26 @@
           <a:bodyPr/>
           <a:lstStyle/>
           <a:p>
+            <a:pPr marL="0" indent="0">
+              <a:buNone/>
+            </a:pPr>
             <a:r>
               <a:rPr lang="es-ES" dirty="0"/>
-              <a:t>Angular </a:t>
+              <a:t>IDE =&gt; Visual Studio </a:t>
             </a:r>
             <a:r>
               <a:rPr lang="es-ES" dirty="0" err="1"/>
-              <a:t>com</a:t>
+              <a:t>Code</a:t>
+            </a:r>
+            <a:endParaRPr lang="es-ES" dirty="0"/>
+          </a:p>
+          <a:p>
+            <a:pPr marL="0" indent="0">
+              <a:buNone/>
+            </a:pPr>
+            <a:r>
+              <a:rPr lang="es-ES" dirty="0" err="1"/>
+              <a:t>Install</a:t>
             </a:r>
             <a:r>
               <a:rPr lang="es-ES" dirty="0"/>
@@ -3350,54 +3397,607 @@
             </a:r>
             <a:r>
               <a:rPr lang="es-ES" dirty="0" err="1"/>
-              <a:t>firebase</a:t>
+              <a:t>node</a:t>
             </a:r>
             <a:r>
               <a:rPr lang="es-ES" dirty="0"/>
-              <a:t> =&gt; Aula 01</a:t>
-            </a:r>
-          </a:p>
-          <a:p>
+              <a:t> JS </a:t>
+            </a:r>
+            <a:r>
+              <a:rPr lang="es-ES" dirty="0" err="1"/>
+              <a:t>for</a:t>
+            </a:r>
             <a:r>
               <a:rPr lang="es-ES" dirty="0"/>
-              <a:t>Instalando o Angular =&gt; Aula 02</a:t>
-            </a:r>
-          </a:p>
-          <a:p>
+              <a:t> </a:t>
+            </a:r>
+            <a:r>
+              <a:rPr lang="es-ES" dirty="0" err="1"/>
+              <a:t>using</a:t>
+            </a:r>
             <a:r>
               <a:rPr lang="es-ES" dirty="0"/>
+              <a:t>  </a:t>
+            </a:r>
+            <a:r>
+              <a:rPr lang="es-ES" dirty="0" err="1"/>
+              <a:t>npm</a:t>
+            </a:r>
+            <a:r>
+              <a:rPr lang="es-ES" dirty="0"/>
+              <a:t> Aula 02</a:t>
+            </a:r>
+          </a:p>
+          <a:p>
+            <a:pPr marL="0" indent="0">
+              <a:buNone/>
+            </a:pPr>
+            <a:r>
+              <a:rPr lang="es-ES" dirty="0"/>
+              <a:t>Verificar </a:t>
+            </a:r>
+            <a:r>
+              <a:rPr lang="es-ES" dirty="0" err="1"/>
+              <a:t>versão</a:t>
+            </a:r>
+            <a:r>
+              <a:rPr lang="es-ES" dirty="0"/>
+              <a:t> =&gt; </a:t>
+            </a:r>
+            <a:r>
+              <a:rPr lang="es-ES" dirty="0" err="1"/>
+              <a:t>node</a:t>
+            </a:r>
+            <a:r>
+              <a:rPr lang="es-ES" dirty="0"/>
+              <a:t> -v</a:t>
+            </a:r>
+          </a:p>
+          <a:p>
+            <a:r>
+              <a:rPr lang="es-ES" dirty="0" err="1"/>
+              <a:t>npm</a:t>
+            </a:r>
+            <a:r>
+              <a:rPr lang="es-ES" dirty="0"/>
+              <a:t> </a:t>
+            </a:r>
+            <a:r>
+              <a:rPr lang="es-ES" dirty="0" err="1"/>
+              <a:t>install</a:t>
+            </a:r>
+            <a:r>
+              <a:rPr lang="es-ES" dirty="0"/>
+              <a:t> -g @angular/</a:t>
+            </a:r>
+            <a:r>
+              <a:rPr lang="es-ES" dirty="0" err="1"/>
+              <a:t>cli</a:t>
+            </a:r>
+            <a:endParaRPr lang="es-ES" dirty="0"/>
+          </a:p>
+          <a:p>
+            <a:r>
+              <a:rPr lang="es-ES" dirty="0"/>
+              <a:t>Verificar </a:t>
+            </a:r>
+            <a:r>
+              <a:rPr lang="es-ES" dirty="0" err="1"/>
+              <a:t>versão</a:t>
+            </a:r>
+            <a:r>
+              <a:rPr lang="es-ES" dirty="0"/>
+              <a:t> =&gt; ng </a:t>
+            </a:r>
+            <a:r>
+              <a:rPr lang="es-ES" dirty="0" err="1"/>
+              <a:t>version</a:t>
+            </a:r>
+            <a:endParaRPr lang="es-ES" dirty="0"/>
+          </a:p>
+          <a:p>
+            <a:endParaRPr lang="es-ES" dirty="0"/>
+          </a:p>
+        </p:txBody>
+      </p:sp>
+    </p:spTree>
+  </p:cSld>
+  <p:clrMapOvr>
+    <a:masterClrMapping/>
+  </p:clrMapOvr>
+</p:sld>
+</file>
+
+<file path=ppt/slides/slide3.xml><?xml version="1.0" encoding="utf-8"?>
+<p:sld xmlns:a="http://schemas.openxmlformats.org/drawingml/2006/main" xmlns:r="http://schemas.openxmlformats.org/officeDocument/2006/relationships" xmlns:p="http://schemas.openxmlformats.org/presentationml/2006/main">
+  <p:cSld>
+    <p:spTree>
+      <p:nvGrpSpPr>
+        <p:cNvPr id="1" name=""/>
+        <p:cNvGrpSpPr/>
+        <p:nvPr/>
+      </p:nvGrpSpPr>
+      <p:grpSpPr>
+        <a:xfrm>
+          <a:off x="0" y="0"/>
+          <a:ext cx="0" cy="0"/>
+          <a:chOff x="0" y="0"/>
+          <a:chExt cx="0" cy="0"/>
+        </a:xfrm>
+      </p:grpSpPr>
+      <p:sp>
+        <p:nvSpPr>
+          <p:cNvPr id="2" name="Título 1">
+            <a:extLst>
+              <a:ext uri="{FF2B5EF4-FFF2-40B4-BE49-F238E27FC236}">
+                <a16:creationId xmlns:a16="http://schemas.microsoft.com/office/drawing/2014/main" id="{33510CD8-E267-4283-986C-346CF10FE262}"/>
+              </a:ext>
+            </a:extLst>
+          </p:cNvPr>
+          <p:cNvSpPr>
+            <a:spLocks noGrp="1"/>
+          </p:cNvSpPr>
+          <p:nvPr>
+            <p:ph type="title"/>
+          </p:nvPr>
+        </p:nvSpPr>
+        <p:spPr/>
+        <p:txBody>
+          <a:bodyPr/>
+          <a:lstStyle/>
+          <a:p>
+            <a:pPr algn="r"/>
+            <a:r>
+              <a:rPr lang="es-VE" dirty="0">
+                <a:solidFill>
+                  <a:schemeClr val="bg1"/>
+                </a:solidFill>
+                <a:latin typeface="Calisto MT" pitchFamily="18" charset="0"/>
+                <a:cs typeface="Arial" pitchFamily="34" charset="0"/>
+              </a:rPr>
               <a:t>Criando </a:t>
             </a:r>
             <a:r>
-              <a:rPr lang="es-ES" dirty="0" err="1"/>
+              <a:rPr lang="es-VE" dirty="0" err="1">
+                <a:solidFill>
+                  <a:schemeClr val="bg1"/>
+                </a:solidFill>
+                <a:latin typeface="Calisto MT" pitchFamily="18" charset="0"/>
+                <a:cs typeface="Arial" pitchFamily="34" charset="0"/>
+              </a:rPr>
               <a:t>Projeto</a:t>
             </a:r>
             <a:r>
-              <a:rPr lang="es-ES" dirty="0"/>
-              <a:t> =&gt; Aula 03</a:t>
-            </a:r>
-          </a:p>
-          <a:p>
-            <a:r>
-              <a:rPr lang="es-ES" dirty="0" err="1"/>
-              <a:t>Estrutura</a:t>
-            </a:r>
-            <a:r>
-              <a:rPr lang="es-ES" dirty="0"/>
-              <a:t> do </a:t>
-            </a:r>
-            <a:r>
-              <a:rPr lang="es-ES" dirty="0" err="1"/>
-              <a:t>Projeto</a:t>
-            </a:r>
-            <a:r>
-              <a:rPr lang="es-ES" dirty="0"/>
-              <a:t> =&gt; Aula 04</a:t>
-            </a:r>
+              <a:rPr lang="es-VE" dirty="0">
+                <a:solidFill>
+                  <a:schemeClr val="bg1"/>
+                </a:solidFill>
+                <a:latin typeface="Calisto MT" pitchFamily="18" charset="0"/>
+                <a:cs typeface="Arial" pitchFamily="34" charset="0"/>
+              </a:rPr>
+              <a:t> Aula 03</a:t>
+            </a:r>
+            <a:endParaRPr lang="pt-BR" dirty="0"/>
+          </a:p>
+        </p:txBody>
+      </p:sp>
+      <p:sp>
+        <p:nvSpPr>
+          <p:cNvPr id="3" name="Espaço Reservado para Conteúdo 2">
+            <a:extLst>
+              <a:ext uri="{FF2B5EF4-FFF2-40B4-BE49-F238E27FC236}">
+                <a16:creationId xmlns:a16="http://schemas.microsoft.com/office/drawing/2014/main" id="{6B2E40EC-2D83-4760-9E1A-A24E5E843249}"/>
+              </a:ext>
+            </a:extLst>
+          </p:cNvPr>
+          <p:cNvSpPr>
+            <a:spLocks noGrp="1"/>
+          </p:cNvSpPr>
+          <p:nvPr>
+            <p:ph idx="1"/>
+          </p:nvPr>
+        </p:nvSpPr>
+        <p:spPr/>
+        <p:txBody>
+          <a:bodyPr/>
+          <a:lstStyle/>
+          <a:p>
+            <a:r>
+              <a:rPr lang="pt-BR" dirty="0" err="1"/>
+              <a:t>ng</a:t>
+            </a:r>
+            <a:r>
+              <a:rPr lang="pt-BR" dirty="0"/>
+              <a:t> new </a:t>
+            </a:r>
+            <a:r>
+              <a:rPr lang="pt-BR" dirty="0" err="1"/>
+              <a:t>name</a:t>
+            </a:r>
+            <a:r>
+              <a:rPr lang="pt-BR" dirty="0"/>
+              <a:t>-Project </a:t>
+            </a:r>
+            <a:r>
+              <a:rPr lang="pt-BR" dirty="0">
+                <a:solidFill>
+                  <a:srgbClr val="00B050"/>
+                </a:solidFill>
+              </a:rPr>
+              <a:t>//</a:t>
+            </a:r>
+            <a:r>
+              <a:rPr lang="pt-BR" dirty="0" err="1">
+                <a:solidFill>
+                  <a:srgbClr val="00B050"/>
+                </a:solidFill>
+              </a:rPr>
+              <a:t>create</a:t>
+            </a:r>
+            <a:r>
+              <a:rPr lang="pt-BR" dirty="0">
+                <a:solidFill>
+                  <a:srgbClr val="00B050"/>
+                </a:solidFill>
+              </a:rPr>
+              <a:t> </a:t>
+            </a:r>
+            <a:r>
+              <a:rPr lang="pt-BR" dirty="0" err="1">
+                <a:solidFill>
+                  <a:srgbClr val="00B050"/>
+                </a:solidFill>
+              </a:rPr>
+              <a:t>project</a:t>
+            </a:r>
+            <a:endParaRPr lang="pt-BR" dirty="0"/>
+          </a:p>
+          <a:p>
+            <a:r>
+              <a:rPr lang="pt-BR" dirty="0" err="1"/>
+              <a:t>ng</a:t>
+            </a:r>
+            <a:r>
+              <a:rPr lang="pt-BR" dirty="0"/>
+              <a:t> serve </a:t>
+            </a:r>
+            <a:r>
+              <a:rPr lang="pt-BR" dirty="0">
+                <a:solidFill>
+                  <a:srgbClr val="00B050"/>
+                </a:solidFill>
+              </a:rPr>
+              <a:t>//start </a:t>
+            </a:r>
+            <a:r>
+              <a:rPr lang="pt-BR" dirty="0" err="1">
+                <a:solidFill>
+                  <a:srgbClr val="00B050"/>
+                </a:solidFill>
+              </a:rPr>
+              <a:t>project</a:t>
+            </a:r>
+            <a:endParaRPr lang="pt-BR" dirty="0">
+              <a:solidFill>
+                <a:srgbClr val="00B050"/>
+              </a:solidFill>
+            </a:endParaRPr>
+          </a:p>
+          <a:p>
+            <a:endParaRPr lang="pt-BR" dirty="0"/>
           </a:p>
         </p:txBody>
       </p:sp>
     </p:spTree>
+    <p:extLst>
+      <p:ext uri="{BB962C8B-B14F-4D97-AF65-F5344CB8AC3E}">
+        <p14:creationId xmlns:p14="http://schemas.microsoft.com/office/powerpoint/2010/main" val="2127441042"/>
+      </p:ext>
+    </p:extLst>
+  </p:cSld>
+  <p:clrMapOvr>
+    <a:masterClrMapping/>
+  </p:clrMapOvr>
+</p:sld>
+</file>
+
+<file path=ppt/slides/slide4.xml><?xml version="1.0" encoding="utf-8"?>
+<p:sld xmlns:a="http://schemas.openxmlformats.org/drawingml/2006/main" xmlns:r="http://schemas.openxmlformats.org/officeDocument/2006/relationships" xmlns:p="http://schemas.openxmlformats.org/presentationml/2006/main">
+  <p:cSld>
+    <p:spTree>
+      <p:nvGrpSpPr>
+        <p:cNvPr id="1" name=""/>
+        <p:cNvGrpSpPr/>
+        <p:nvPr/>
+      </p:nvGrpSpPr>
+      <p:grpSpPr>
+        <a:xfrm>
+          <a:off x="0" y="0"/>
+          <a:ext cx="0" cy="0"/>
+          <a:chOff x="0" y="0"/>
+          <a:chExt cx="0" cy="0"/>
+        </a:xfrm>
+      </p:grpSpPr>
+      <p:sp>
+        <p:nvSpPr>
+          <p:cNvPr id="2" name="Título 1">
+            <a:extLst>
+              <a:ext uri="{FF2B5EF4-FFF2-40B4-BE49-F238E27FC236}">
+                <a16:creationId xmlns:a16="http://schemas.microsoft.com/office/drawing/2014/main" id="{23572C95-9E3A-46E5-8E09-654298F8D413}"/>
+              </a:ext>
+            </a:extLst>
+          </p:cNvPr>
+          <p:cNvSpPr>
+            <a:spLocks noGrp="1"/>
+          </p:cNvSpPr>
+          <p:nvPr>
+            <p:ph type="title"/>
+          </p:nvPr>
+        </p:nvSpPr>
+        <p:spPr/>
+        <p:txBody>
+          <a:bodyPr>
+            <a:normAutofit/>
+          </a:bodyPr>
+          <a:lstStyle/>
+          <a:p>
+            <a:pPr algn="r"/>
+            <a:r>
+              <a:rPr lang="es-VE" dirty="0">
+                <a:solidFill>
+                  <a:schemeClr val="bg1"/>
+                </a:solidFill>
+                <a:latin typeface="Calisto MT" pitchFamily="18" charset="0"/>
+                <a:cs typeface="Arial" pitchFamily="34" charset="0"/>
+              </a:rPr>
+              <a:t>Aulas 04,05 &amp; 06</a:t>
+            </a:r>
+            <a:endParaRPr lang="pt-BR" dirty="0"/>
+          </a:p>
+        </p:txBody>
+      </p:sp>
+      <p:sp>
+        <p:nvSpPr>
+          <p:cNvPr id="3" name="Espaço Reservado para Conteúdo 2">
+            <a:extLst>
+              <a:ext uri="{FF2B5EF4-FFF2-40B4-BE49-F238E27FC236}">
+                <a16:creationId xmlns:a16="http://schemas.microsoft.com/office/drawing/2014/main" id="{E14474F4-70D9-43FB-86C3-F1E0523435CB}"/>
+              </a:ext>
+            </a:extLst>
+          </p:cNvPr>
+          <p:cNvSpPr>
+            <a:spLocks noGrp="1"/>
+          </p:cNvSpPr>
+          <p:nvPr>
+            <p:ph idx="1"/>
+          </p:nvPr>
+        </p:nvSpPr>
+        <p:spPr/>
+        <p:txBody>
+          <a:bodyPr/>
+          <a:lstStyle/>
+          <a:p>
+            <a:r>
+              <a:rPr lang="pt-BR" dirty="0"/>
+              <a:t>{{</a:t>
+            </a:r>
+            <a:r>
+              <a:rPr lang="pt-BR" dirty="0" err="1"/>
+              <a:t>variavel</a:t>
+            </a:r>
+            <a:r>
+              <a:rPr lang="pt-BR" dirty="0"/>
+              <a:t>}} </a:t>
+            </a:r>
+            <a:r>
+              <a:rPr lang="pt-BR" dirty="0">
+                <a:solidFill>
+                  <a:srgbClr val="00B050"/>
+                </a:solidFill>
+              </a:rPr>
+              <a:t>//Utilizada para mostrar informações do </a:t>
+            </a:r>
+            <a:r>
+              <a:rPr lang="pt-BR" dirty="0" err="1">
+                <a:solidFill>
+                  <a:srgbClr val="00B050"/>
+                </a:solidFill>
+              </a:rPr>
+              <a:t>typescript</a:t>
+            </a:r>
+            <a:r>
+              <a:rPr lang="pt-BR" dirty="0">
+                <a:solidFill>
+                  <a:srgbClr val="00B050"/>
+                </a:solidFill>
+              </a:rPr>
+              <a:t> para o </a:t>
+            </a:r>
+            <a:r>
+              <a:rPr lang="pt-BR" dirty="0" err="1">
+                <a:solidFill>
+                  <a:srgbClr val="00B050"/>
+                </a:solidFill>
+              </a:rPr>
+              <a:t>html</a:t>
+            </a:r>
+            <a:endParaRPr lang="pt-BR" dirty="0">
+              <a:solidFill>
+                <a:srgbClr val="00B050"/>
+              </a:solidFill>
+            </a:endParaRPr>
+          </a:p>
+          <a:p>
+            <a:pPr marL="0" indent="0">
+              <a:buNone/>
+            </a:pPr>
+            <a:r>
+              <a:rPr lang="pt-BR" dirty="0"/>
+              <a:t>No Arquivo TS :</a:t>
+            </a:r>
+          </a:p>
+          <a:p>
+            <a:r>
+              <a:rPr lang="pt-BR" dirty="0"/>
+              <a:t> clientes = []; </a:t>
+            </a:r>
+            <a:r>
+              <a:rPr lang="pt-BR" dirty="0">
+                <a:solidFill>
+                  <a:srgbClr val="00B050"/>
+                </a:solidFill>
+              </a:rPr>
+              <a:t>// </a:t>
+            </a:r>
+            <a:r>
+              <a:rPr lang="pt-BR" dirty="0" err="1">
+                <a:solidFill>
+                  <a:srgbClr val="00B050"/>
+                </a:solidFill>
+              </a:rPr>
+              <a:t>variavel</a:t>
+            </a:r>
+            <a:r>
+              <a:rPr lang="pt-BR" dirty="0">
+                <a:solidFill>
+                  <a:srgbClr val="00B050"/>
+                </a:solidFill>
+              </a:rPr>
+              <a:t> tipo </a:t>
+            </a:r>
+            <a:r>
+              <a:rPr lang="pt-BR" dirty="0" err="1">
+                <a:solidFill>
+                  <a:srgbClr val="00B050"/>
+                </a:solidFill>
+              </a:rPr>
+              <a:t>array</a:t>
+            </a:r>
+            <a:r>
+              <a:rPr lang="pt-BR" dirty="0">
+                <a:solidFill>
+                  <a:srgbClr val="00B050"/>
+                </a:solidFill>
+              </a:rPr>
+              <a:t>/lista</a:t>
+            </a:r>
+            <a:r>
+              <a:rPr lang="pt-BR" dirty="0"/>
+              <a:t> </a:t>
+            </a:r>
+          </a:p>
+          <a:p>
+            <a:r>
+              <a:rPr lang="pt-BR" dirty="0"/>
+              <a:t>  cliente = ""; </a:t>
+            </a:r>
+            <a:r>
+              <a:rPr lang="pt-BR" dirty="0">
+                <a:solidFill>
+                  <a:srgbClr val="00B050"/>
+                </a:solidFill>
+              </a:rPr>
+              <a:t>//</a:t>
+            </a:r>
+            <a:r>
+              <a:rPr lang="pt-BR" dirty="0" err="1">
+                <a:solidFill>
+                  <a:srgbClr val="00B050"/>
+                </a:solidFill>
+              </a:rPr>
+              <a:t>variavel</a:t>
+            </a:r>
+            <a:r>
+              <a:rPr lang="pt-BR" dirty="0">
+                <a:solidFill>
+                  <a:srgbClr val="00B050"/>
+                </a:solidFill>
+              </a:rPr>
+              <a:t> tipo </a:t>
+            </a:r>
+            <a:r>
+              <a:rPr lang="pt-BR" dirty="0" err="1">
+                <a:solidFill>
+                  <a:srgbClr val="00B050"/>
+                </a:solidFill>
+              </a:rPr>
+              <a:t>string</a:t>
+            </a:r>
+            <a:endParaRPr lang="pt-BR" dirty="0">
+              <a:solidFill>
+                <a:srgbClr val="00B050"/>
+              </a:solidFill>
+            </a:endParaRPr>
+          </a:p>
+          <a:p>
+            <a:r>
+              <a:rPr lang="pt-BR" dirty="0"/>
+              <a:t>[(</a:t>
+            </a:r>
+            <a:r>
+              <a:rPr lang="pt-BR" dirty="0" err="1"/>
+              <a:t>ngModel</a:t>
+            </a:r>
+            <a:r>
+              <a:rPr lang="pt-BR" dirty="0"/>
+              <a:t>)]=“cliente” </a:t>
+            </a:r>
+            <a:r>
+              <a:rPr lang="pt-BR" sz="2800" dirty="0">
+                <a:solidFill>
+                  <a:srgbClr val="00B050"/>
+                </a:solidFill>
+              </a:rPr>
+              <a:t>//pega valor do </a:t>
+            </a:r>
+            <a:r>
+              <a:rPr lang="pt-BR" sz="2800" dirty="0" err="1">
+                <a:solidFill>
+                  <a:srgbClr val="00B050"/>
+                </a:solidFill>
+              </a:rPr>
+              <a:t>form</a:t>
+            </a:r>
+            <a:r>
+              <a:rPr lang="pt-BR" sz="2800" dirty="0">
+                <a:solidFill>
+                  <a:srgbClr val="00B050"/>
+                </a:solidFill>
+              </a:rPr>
+              <a:t> </a:t>
+            </a:r>
+            <a:r>
+              <a:rPr lang="pt-BR" sz="2800" dirty="0" err="1">
+                <a:solidFill>
+                  <a:srgbClr val="00B050"/>
+                </a:solidFill>
+              </a:rPr>
+              <a:t>html</a:t>
+            </a:r>
+            <a:endParaRPr lang="pt-BR" sz="2800" dirty="0">
+              <a:solidFill>
+                <a:srgbClr val="00B050"/>
+              </a:solidFill>
+            </a:endParaRPr>
+          </a:p>
+          <a:p>
+            <a:pPr marL="0" indent="0">
+              <a:buNone/>
+            </a:pPr>
+            <a:endParaRPr lang="pt-BR" dirty="0">
+              <a:solidFill>
+                <a:srgbClr val="00B050"/>
+              </a:solidFill>
+            </a:endParaRPr>
+          </a:p>
+        </p:txBody>
+      </p:sp>
+    </p:spTree>
+    <p:extLst>
+      <p:ext uri="{BB962C8B-B14F-4D97-AF65-F5344CB8AC3E}">
+        <p14:creationId xmlns:p14="http://schemas.microsoft.com/office/powerpoint/2010/main" val="2279367760"/>
+      </p:ext>
+    </p:extLst>
   </p:cSld>
   <p:clrMapOvr>
     <a:masterClrMapping/>

--- a/Documentacao/Documentacao-curso-Angular.pptx
+++ b/Documentacao/Documentacao-curso-Angular.pptx
@@ -9,6 +9,7 @@
     <p:sldId id="257" r:id="rId4"/>
     <p:sldId id="258" r:id="rId5"/>
     <p:sldId id="259" r:id="rId6"/>
+    <p:sldId id="260" r:id="rId7"/>
   </p:sldIdLst>
   <p:sldSz cx="9144000" cy="6858000" type="screen4x3"/>
   <p:notesSz cx="6858000" cy="9144000"/>
@@ -332,7 +333,7 @@
             <a:fld id="{ECE2885B-9CEE-4B06-9B5A-AB75F988921C}" type="datetimeFigureOut">
               <a:rPr lang="es-ES" smtClean="0"/>
               <a:pPr/>
-              <a:t>06/09/2019</a:t>
+              <a:t>17/09/2019</a:t>
             </a:fld>
             <a:endParaRPr lang="es-ES"/>
           </a:p>
@@ -499,7 +500,7 @@
             <a:fld id="{ECE2885B-9CEE-4B06-9B5A-AB75F988921C}" type="datetimeFigureOut">
               <a:rPr lang="es-ES" smtClean="0"/>
               <a:pPr/>
-              <a:t>06/09/2019</a:t>
+              <a:t>17/09/2019</a:t>
             </a:fld>
             <a:endParaRPr lang="es-ES"/>
           </a:p>
@@ -676,7 +677,7 @@
             <a:fld id="{ECE2885B-9CEE-4B06-9B5A-AB75F988921C}" type="datetimeFigureOut">
               <a:rPr lang="es-ES" smtClean="0"/>
               <a:pPr/>
-              <a:t>06/09/2019</a:t>
+              <a:t>17/09/2019</a:t>
             </a:fld>
             <a:endParaRPr lang="es-ES"/>
           </a:p>
@@ -843,7 +844,7 @@
             <a:fld id="{ECE2885B-9CEE-4B06-9B5A-AB75F988921C}" type="datetimeFigureOut">
               <a:rPr lang="es-ES" smtClean="0"/>
               <a:pPr/>
-              <a:t>06/09/2019</a:t>
+              <a:t>17/09/2019</a:t>
             </a:fld>
             <a:endParaRPr lang="es-ES"/>
           </a:p>
@@ -1086,7 +1087,7 @@
             <a:fld id="{ECE2885B-9CEE-4B06-9B5A-AB75F988921C}" type="datetimeFigureOut">
               <a:rPr lang="es-ES" smtClean="0"/>
               <a:pPr/>
-              <a:t>06/09/2019</a:t>
+              <a:t>17/09/2019</a:t>
             </a:fld>
             <a:endParaRPr lang="es-ES"/>
           </a:p>
@@ -1371,7 +1372,7 @@
             <a:fld id="{ECE2885B-9CEE-4B06-9B5A-AB75F988921C}" type="datetimeFigureOut">
               <a:rPr lang="es-ES" smtClean="0"/>
               <a:pPr/>
-              <a:t>06/09/2019</a:t>
+              <a:t>17/09/2019</a:t>
             </a:fld>
             <a:endParaRPr lang="es-ES"/>
           </a:p>
@@ -1790,7 +1791,7 @@
             <a:fld id="{ECE2885B-9CEE-4B06-9B5A-AB75F988921C}" type="datetimeFigureOut">
               <a:rPr lang="es-ES" smtClean="0"/>
               <a:pPr/>
-              <a:t>06/09/2019</a:t>
+              <a:t>17/09/2019</a:t>
             </a:fld>
             <a:endParaRPr lang="es-ES"/>
           </a:p>
@@ -1905,7 +1906,7 @@
             <a:fld id="{ECE2885B-9CEE-4B06-9B5A-AB75F988921C}" type="datetimeFigureOut">
               <a:rPr lang="es-ES" smtClean="0"/>
               <a:pPr/>
-              <a:t>06/09/2019</a:t>
+              <a:t>17/09/2019</a:t>
             </a:fld>
             <a:endParaRPr lang="es-ES"/>
           </a:p>
@@ -1997,7 +1998,7 @@
             <a:fld id="{ECE2885B-9CEE-4B06-9B5A-AB75F988921C}" type="datetimeFigureOut">
               <a:rPr lang="es-ES" smtClean="0"/>
               <a:pPr/>
-              <a:t>06/09/2019</a:t>
+              <a:t>17/09/2019</a:t>
             </a:fld>
             <a:endParaRPr lang="es-ES"/>
           </a:p>
@@ -2271,7 +2272,7 @@
             <a:fld id="{ECE2885B-9CEE-4B06-9B5A-AB75F988921C}" type="datetimeFigureOut">
               <a:rPr lang="es-ES" smtClean="0"/>
               <a:pPr/>
-              <a:t>06/09/2019</a:t>
+              <a:t>17/09/2019</a:t>
             </a:fld>
             <a:endParaRPr lang="es-ES"/>
           </a:p>
@@ -2525,7 +2526,7 @@
             <a:fld id="{ECE2885B-9CEE-4B06-9B5A-AB75F988921C}" type="datetimeFigureOut">
               <a:rPr lang="es-ES" smtClean="0"/>
               <a:pPr/>
-              <a:t>06/09/2019</a:t>
+              <a:t>17/09/2019</a:t>
             </a:fld>
             <a:endParaRPr lang="es-ES"/>
           </a:p>
@@ -2757,7 +2758,7 @@
             <a:fld id="{ECE2885B-9CEE-4B06-9B5A-AB75F988921C}" type="datetimeFigureOut">
               <a:rPr lang="es-ES" smtClean="0"/>
               <a:pPr/>
-              <a:t>06/09/2019</a:t>
+              <a:t>17/09/2019</a:t>
             </a:fld>
             <a:endParaRPr lang="es-ES"/>
           </a:p>
@@ -4005,6 +4006,201 @@
 </p:sld>
 </file>
 
+<file path=ppt/slides/slide5.xml><?xml version="1.0" encoding="utf-8"?>
+<p:sld xmlns:a="http://schemas.openxmlformats.org/drawingml/2006/main" xmlns:r="http://schemas.openxmlformats.org/officeDocument/2006/relationships" xmlns:p="http://schemas.openxmlformats.org/presentationml/2006/main">
+  <p:cSld>
+    <p:spTree>
+      <p:nvGrpSpPr>
+        <p:cNvPr id="1" name=""/>
+        <p:cNvGrpSpPr/>
+        <p:nvPr/>
+      </p:nvGrpSpPr>
+      <p:grpSpPr>
+        <a:xfrm>
+          <a:off x="0" y="0"/>
+          <a:ext cx="0" cy="0"/>
+          <a:chOff x="0" y="0"/>
+          <a:chExt cx="0" cy="0"/>
+        </a:xfrm>
+      </p:grpSpPr>
+      <p:sp>
+        <p:nvSpPr>
+          <p:cNvPr id="2" name="Título 1">
+            <a:extLst>
+              <a:ext uri="{FF2B5EF4-FFF2-40B4-BE49-F238E27FC236}">
+                <a16:creationId xmlns:a16="http://schemas.microsoft.com/office/drawing/2014/main" id="{E7790656-28DF-42EB-AE31-5BC81E726D0B}"/>
+              </a:ext>
+            </a:extLst>
+          </p:cNvPr>
+          <p:cNvSpPr>
+            <a:spLocks noGrp="1"/>
+          </p:cNvSpPr>
+          <p:nvPr>
+            <p:ph type="title"/>
+          </p:nvPr>
+        </p:nvSpPr>
+        <p:spPr/>
+        <p:txBody>
+          <a:bodyPr/>
+          <a:lstStyle/>
+          <a:p>
+            <a:r>
+              <a:rPr lang="pt-BR" dirty="0">
+                <a:solidFill>
+                  <a:schemeClr val="bg1"/>
+                </a:solidFill>
+              </a:rPr>
+              <a:t>Complemento</a:t>
+            </a:r>
+          </a:p>
+        </p:txBody>
+      </p:sp>
+      <p:sp>
+        <p:nvSpPr>
+          <p:cNvPr id="3" name="Espaço Reservado para Conteúdo 2">
+            <a:extLst>
+              <a:ext uri="{FF2B5EF4-FFF2-40B4-BE49-F238E27FC236}">
+                <a16:creationId xmlns:a16="http://schemas.microsoft.com/office/drawing/2014/main" id="{97464E13-4A9E-47B6-B554-90B637D9C298}"/>
+              </a:ext>
+            </a:extLst>
+          </p:cNvPr>
+          <p:cNvSpPr>
+            <a:spLocks noGrp="1"/>
+          </p:cNvSpPr>
+          <p:nvPr>
+            <p:ph idx="1"/>
+          </p:nvPr>
+        </p:nvSpPr>
+        <p:spPr/>
+        <p:txBody>
+          <a:bodyPr/>
+          <a:lstStyle/>
+          <a:p>
+            <a:r>
+              <a:rPr lang="pt-BR" dirty="0"/>
+              <a:t>&lt;input #</a:t>
+            </a:r>
+            <a:r>
+              <a:rPr lang="pt-BR" dirty="0" err="1"/>
+              <a:t>name</a:t>
+            </a:r>
+            <a:r>
+              <a:rPr lang="pt-BR" dirty="0"/>
+              <a:t>&gt; </a:t>
+            </a:r>
+            <a:r>
+              <a:rPr lang="pt-BR" dirty="0">
+                <a:solidFill>
+                  <a:srgbClr val="00B050"/>
+                </a:solidFill>
+              </a:rPr>
+              <a:t>//</a:t>
+            </a:r>
+            <a:r>
+              <a:rPr lang="pt-BR" dirty="0" err="1">
+                <a:solidFill>
+                  <a:srgbClr val="00B050"/>
+                </a:solidFill>
+              </a:rPr>
+              <a:t>setar</a:t>
+            </a:r>
+            <a:r>
+              <a:rPr lang="pt-BR" dirty="0">
+                <a:solidFill>
+                  <a:srgbClr val="00B050"/>
+                </a:solidFill>
+              </a:rPr>
+              <a:t> </a:t>
+            </a:r>
+            <a:r>
+              <a:rPr lang="pt-BR" dirty="0" err="1">
+                <a:solidFill>
+                  <a:srgbClr val="00B050"/>
+                </a:solidFill>
+              </a:rPr>
+              <a:t>focus</a:t>
+            </a:r>
+            <a:r>
+              <a:rPr lang="pt-BR" dirty="0">
+                <a:solidFill>
+                  <a:srgbClr val="00B050"/>
+                </a:solidFill>
+              </a:rPr>
+              <a:t> no input</a:t>
+            </a:r>
+          </a:p>
+          <a:p>
+            <a:r>
+              <a:rPr lang="pt-BR" dirty="0"/>
+              <a:t>@</a:t>
+            </a:r>
+            <a:r>
+              <a:rPr lang="pt-BR" dirty="0" err="1"/>
+              <a:t>ViewChild</a:t>
+            </a:r>
+            <a:r>
+              <a:rPr lang="pt-BR" dirty="0"/>
+              <a:t>('</a:t>
+            </a:r>
+            <a:r>
+              <a:rPr lang="pt-BR" dirty="0" err="1"/>
+              <a:t>name</a:t>
+            </a:r>
+            <a:r>
+              <a:rPr lang="pt-BR" dirty="0"/>
+              <a:t>', { </a:t>
+            </a:r>
+            <a:r>
+              <a:rPr lang="pt-BR" dirty="0" err="1"/>
+              <a:t>static</a:t>
+            </a:r>
+            <a:r>
+              <a:rPr lang="pt-BR" dirty="0"/>
+              <a:t>: false, }) </a:t>
+            </a:r>
+          </a:p>
+          <a:p>
+            <a:r>
+              <a:rPr lang="pt-BR" dirty="0"/>
+              <a:t>item: </a:t>
+            </a:r>
+            <a:r>
+              <a:rPr lang="pt-BR" dirty="0" err="1"/>
+              <a:t>ElementRef</a:t>
+            </a:r>
+            <a:r>
+              <a:rPr lang="pt-BR" dirty="0"/>
+              <a:t>;</a:t>
+            </a:r>
+          </a:p>
+          <a:p>
+            <a:r>
+              <a:rPr lang="pt-BR" dirty="0" err="1"/>
+              <a:t>this.item.nativeElement.focus</a:t>
+            </a:r>
+            <a:r>
+              <a:rPr lang="pt-BR" dirty="0"/>
+              <a:t>();</a:t>
+            </a:r>
+          </a:p>
+          <a:p>
+            <a:endParaRPr lang="pt-BR" dirty="0"/>
+          </a:p>
+        </p:txBody>
+      </p:sp>
+    </p:spTree>
+    <p:extLst>
+      <p:ext uri="{BB962C8B-B14F-4D97-AF65-F5344CB8AC3E}">
+        <p14:creationId xmlns:p14="http://schemas.microsoft.com/office/powerpoint/2010/main" val="533582048"/>
+      </p:ext>
+    </p:extLst>
+  </p:cSld>
+  <p:clrMapOvr>
+    <a:masterClrMapping/>
+  </p:clrMapOvr>
+</p:sld>
+</file>
+
 <file path=ppt/theme/theme1.xml><?xml version="1.0" encoding="utf-8"?>
 <a:theme xmlns:a="http://schemas.openxmlformats.org/drawingml/2006/main" name="Tema de Office">
   <a:themeElements>
